--- a/Week-08/Tuesday/Angel investors in it.pptx
+++ b/Week-08/Tuesday/Angel investors in it.pptx
@@ -114,6 +114,11 @@
       </a:defRPr>
     </a:lvl9pPr>
   </p:defaultTextStyle>
+  <p:extLst>
+    <p:ext uri="{EFAFB233-063F-42B5-8137-9DF3F51BA10A}">
+      <p15:sldGuideLst xmlns:p15="http://schemas.microsoft.com/office/powerpoint/2012/main"/>
+    </p:ext>
+  </p:extLst>
 </p:presentation>
 </file>
 
@@ -4729,7 +4734,9 @@
         </p:nvSpPr>
         <p:spPr/>
         <p:txBody>
-          <a:bodyPr/>
+          <a:bodyPr>
+            <a:normAutofit lnSpcReduction="10000"/>
+          </a:bodyPr>
           <a:lstStyle/>
           <a:p>
             <a:pPr marL="0" indent="0" algn="ctr">
@@ -4786,7 +4793,36 @@
               <a:rPr lang="en-US" dirty="0"/>
               <a:t>Thank you for your attention!</a:t>
             </a:r>
-            <a:endParaRPr lang="hu-HU" dirty="0"/>
+          </a:p>
+          <a:p>
+            <a:pPr marL="0" indent="0" algn="ctr">
+              <a:buNone/>
+            </a:pPr>
+            <a:r>
+              <a:rPr lang="en-US" dirty="0"/>
+              <a:t>Presentation available at:</a:t>
+            </a:r>
+          </a:p>
+          <a:p>
+            <a:pPr marL="0" indent="0" algn="ctr">
+              <a:buNone/>
+            </a:pPr>
+            <a:r>
+              <a:rPr lang="hu-HU" sz="4000" dirty="0"/>
+              <a:t>https://bit.ly/2KAVQ</a:t>
+            </a:r>
+            <a:r>
+              <a:rPr lang="hu-HU" sz="4000" dirty="0">
+                <a:solidFill>
+                  <a:srgbClr val="FF0000"/>
+                </a:solidFill>
+              </a:rPr>
+              <a:t>0</a:t>
+            </a:r>
+            <a:r>
+              <a:rPr lang="hu-HU" sz="4000" dirty="0"/>
+              <a:t>N</a:t>
+            </a:r>
           </a:p>
         </p:txBody>
       </p:sp>
